--- a/vishnu.pptx
+++ b/vishnu.pptx
@@ -3424,7 +3424,7 @@
           </c:val>
           <c:extLst>
             <c:ext xmlns:c16="http://schemas.microsoft.com/office/drawing/2014/chart" uri="{C3380CC4-5D6E-409C-BE32-E72D297353CC}">
-              <c16:uniqueId val="{00000000-0327-734B-B166-5CFC7BFE0A8A}"/>
+              <c16:uniqueId val="{00000000-1E09-784F-AE23-52B0866C7113}"/>
             </c:ext>
           </c:extLst>
         </c:ser>
@@ -3587,7 +3587,7 @@
           </c:val>
           <c:extLst>
             <c:ext xmlns:c16="http://schemas.microsoft.com/office/drawing/2014/chart" uri="{C3380CC4-5D6E-409C-BE32-E72D297353CC}">
-              <c16:uniqueId val="{00000001-0327-734B-B166-5CFC7BFE0A8A}"/>
+              <c16:uniqueId val="{00000001-1E09-784F-AE23-52B0866C7113}"/>
             </c:ext>
           </c:extLst>
         </c:ser>
@@ -3750,7 +3750,7 @@
           </c:val>
           <c:extLst>
             <c:ext xmlns:c16="http://schemas.microsoft.com/office/drawing/2014/chart" uri="{C3380CC4-5D6E-409C-BE32-E72D297353CC}">
-              <c16:uniqueId val="{00000002-0327-734B-B166-5CFC7BFE0A8A}"/>
+              <c16:uniqueId val="{00000002-1E09-784F-AE23-52B0866C7113}"/>
             </c:ext>
           </c:extLst>
         </c:ser>
@@ -3913,7 +3913,7 @@
           </c:val>
           <c:extLst>
             <c:ext xmlns:c16="http://schemas.microsoft.com/office/drawing/2014/chart" uri="{C3380CC4-5D6E-409C-BE32-E72D297353CC}">
-              <c16:uniqueId val="{00000003-0327-734B-B166-5CFC7BFE0A8A}"/>
+              <c16:uniqueId val="{00000003-1E09-784F-AE23-52B0866C7113}"/>
             </c:ext>
           </c:extLst>
         </c:ser>
@@ -4076,7 +4076,7 @@
           </c:val>
           <c:extLst>
             <c:ext xmlns:c16="http://schemas.microsoft.com/office/drawing/2014/chart" uri="{C3380CC4-5D6E-409C-BE32-E72D297353CC}">
-              <c16:uniqueId val="{00000004-0327-734B-B166-5CFC7BFE0A8A}"/>
+              <c16:uniqueId val="{00000004-1E09-784F-AE23-52B0866C7113}"/>
             </c:ext>
           </c:extLst>
         </c:ser>
@@ -4239,7 +4239,7 @@
           </c:val>
           <c:extLst>
             <c:ext xmlns:c16="http://schemas.microsoft.com/office/drawing/2014/chart" uri="{C3380CC4-5D6E-409C-BE32-E72D297353CC}">
-              <c16:uniqueId val="{00000005-0327-734B-B166-5CFC7BFE0A8A}"/>
+              <c16:uniqueId val="{00000005-1E09-784F-AE23-52B0866C7113}"/>
             </c:ext>
           </c:extLst>
         </c:ser>
@@ -4402,7 +4402,7 @@
           </c:val>
           <c:extLst>
             <c:ext xmlns:c16="http://schemas.microsoft.com/office/drawing/2014/chart" uri="{C3380CC4-5D6E-409C-BE32-E72D297353CC}">
-              <c16:uniqueId val="{00000006-0327-734B-B166-5CFC7BFE0A8A}"/>
+              <c16:uniqueId val="{00000006-1E09-784F-AE23-52B0866C7113}"/>
             </c:ext>
           </c:extLst>
         </c:ser>
@@ -4565,7 +4565,7 @@
           </c:val>
           <c:extLst>
             <c:ext xmlns:c16="http://schemas.microsoft.com/office/drawing/2014/chart" uri="{C3380CC4-5D6E-409C-BE32-E72D297353CC}">
-              <c16:uniqueId val="{00000007-0327-734B-B166-5CFC7BFE0A8A}"/>
+              <c16:uniqueId val="{00000007-1E09-784F-AE23-52B0866C7113}"/>
             </c:ext>
           </c:extLst>
         </c:ser>
@@ -8492,7 +8492,7 @@
           <p:cNvPr id="10" name="Chart 9">
             <a:extLst>
               <a:ext uri="{FF2B5EF4-FFF2-40B4-BE49-F238E27FC236}">
-                <a16:creationId xmlns:a16="http://schemas.microsoft.com/office/drawing/2014/main" id="{4392BE7F-EEE6-A784-B301-68CA344FB705}"/>
+                <a16:creationId xmlns:a16="http://schemas.microsoft.com/office/drawing/2014/main" id="{BBCDB314-6229-F4F3-1FA6-45CCCAAF13C4}"/>
               </a:ext>
             </a:extLst>
           </p:cNvPr>
@@ -8502,14 +8502,14 @@
           <p:nvPr>
             <p:extLst>
               <p:ext uri="{D42A27DB-BD31-4B8C-83A1-F6EECF244321}">
-                <p14:modId xmlns:p14="http://schemas.microsoft.com/office/powerpoint/2010/main" val="2350272416"/>
+                <p14:modId xmlns:p14="http://schemas.microsoft.com/office/powerpoint/2010/main" val="4135817208"/>
               </p:ext>
             </p:extLst>
           </p:nvPr>
         </p:nvGraphicFramePr>
         <p:xfrm>
-          <a:off x="1973897" y="1320726"/>
-          <a:ext cx="6575244" cy="4969657"/>
+          <a:off x="1666875" y="1778547"/>
+          <a:ext cx="6584458" cy="4207915"/>
         </p:xfrm>
         <a:graphic>
           <a:graphicData uri="http://schemas.openxmlformats.org/drawingml/2006/chart">
